--- a/bigQuery.pptx
+++ b/bigQuery.pptx
@@ -21,7 +21,8 @@
     <p:sldId id="268" r:id="rId15"/>
     <p:sldId id="270" r:id="rId16"/>
     <p:sldId id="273" r:id="rId17"/>
-    <p:sldId id="274" r:id="rId18"/>
+    <p:sldId id="275" r:id="rId18"/>
+    <p:sldId id="274" r:id="rId19"/>
   </p:sldIdLst>
   <p:sldSz cx="12192000" cy="6858000"/>
   <p:notesSz cx="6858000" cy="9144000"/>
@@ -275,7 +276,7 @@
           <a:p>
             <a:fld id="{3D4FB0F5-B09B-49AA-BA71-3C58E239228C}" type="datetimeFigureOut">
               <a:rPr lang="fr-FR" smtClean="0"/>
-              <a:t>30/12/2023</a:t>
+              <a:t>31/12/2023</a:t>
             </a:fld>
             <a:endParaRPr lang="fr-FR"/>
           </a:p>
@@ -473,7 +474,7 @@
           <a:p>
             <a:fld id="{3D4FB0F5-B09B-49AA-BA71-3C58E239228C}" type="datetimeFigureOut">
               <a:rPr lang="fr-FR" smtClean="0"/>
-              <a:t>30/12/2023</a:t>
+              <a:t>31/12/2023</a:t>
             </a:fld>
             <a:endParaRPr lang="fr-FR"/>
           </a:p>
@@ -681,7 +682,7 @@
           <a:p>
             <a:fld id="{3D4FB0F5-B09B-49AA-BA71-3C58E239228C}" type="datetimeFigureOut">
               <a:rPr lang="fr-FR" smtClean="0"/>
-              <a:t>30/12/2023</a:t>
+              <a:t>31/12/2023</a:t>
             </a:fld>
             <a:endParaRPr lang="fr-FR"/>
           </a:p>
@@ -879,7 +880,7 @@
           <a:p>
             <a:fld id="{3D4FB0F5-B09B-49AA-BA71-3C58E239228C}" type="datetimeFigureOut">
               <a:rPr lang="fr-FR" smtClean="0"/>
-              <a:t>30/12/2023</a:t>
+              <a:t>31/12/2023</a:t>
             </a:fld>
             <a:endParaRPr lang="fr-FR"/>
           </a:p>
@@ -1154,7 +1155,7 @@
           <a:p>
             <a:fld id="{3D4FB0F5-B09B-49AA-BA71-3C58E239228C}" type="datetimeFigureOut">
               <a:rPr lang="fr-FR" smtClean="0"/>
-              <a:t>30/12/2023</a:t>
+              <a:t>31/12/2023</a:t>
             </a:fld>
             <a:endParaRPr lang="fr-FR"/>
           </a:p>
@@ -1419,7 +1420,7 @@
           <a:p>
             <a:fld id="{3D4FB0F5-B09B-49AA-BA71-3C58E239228C}" type="datetimeFigureOut">
               <a:rPr lang="fr-FR" smtClean="0"/>
-              <a:t>30/12/2023</a:t>
+              <a:t>31/12/2023</a:t>
             </a:fld>
             <a:endParaRPr lang="fr-FR"/>
           </a:p>
@@ -1831,7 +1832,7 @@
           <a:p>
             <a:fld id="{3D4FB0F5-B09B-49AA-BA71-3C58E239228C}" type="datetimeFigureOut">
               <a:rPr lang="fr-FR" smtClean="0"/>
-              <a:t>30/12/2023</a:t>
+              <a:t>31/12/2023</a:t>
             </a:fld>
             <a:endParaRPr lang="fr-FR"/>
           </a:p>
@@ -1972,7 +1973,7 @@
           <a:p>
             <a:fld id="{3D4FB0F5-B09B-49AA-BA71-3C58E239228C}" type="datetimeFigureOut">
               <a:rPr lang="fr-FR" smtClean="0"/>
-              <a:t>30/12/2023</a:t>
+              <a:t>31/12/2023</a:t>
             </a:fld>
             <a:endParaRPr lang="fr-FR"/>
           </a:p>
@@ -2085,7 +2086,7 @@
           <a:p>
             <a:fld id="{3D4FB0F5-B09B-49AA-BA71-3C58E239228C}" type="datetimeFigureOut">
               <a:rPr lang="fr-FR" smtClean="0"/>
-              <a:t>30/12/2023</a:t>
+              <a:t>31/12/2023</a:t>
             </a:fld>
             <a:endParaRPr lang="fr-FR"/>
           </a:p>
@@ -2396,7 +2397,7 @@
           <a:p>
             <a:fld id="{3D4FB0F5-B09B-49AA-BA71-3C58E239228C}" type="datetimeFigureOut">
               <a:rPr lang="fr-FR" smtClean="0"/>
-              <a:t>30/12/2023</a:t>
+              <a:t>31/12/2023</a:t>
             </a:fld>
             <a:endParaRPr lang="fr-FR"/>
           </a:p>
@@ -2684,7 +2685,7 @@
           <a:p>
             <a:fld id="{3D4FB0F5-B09B-49AA-BA71-3C58E239228C}" type="datetimeFigureOut">
               <a:rPr lang="fr-FR" smtClean="0"/>
-              <a:t>30/12/2023</a:t>
+              <a:t>31/12/2023</a:t>
             </a:fld>
             <a:endParaRPr lang="fr-FR"/>
           </a:p>
@@ -2925,7 +2926,7 @@
           <a:p>
             <a:fld id="{3D4FB0F5-B09B-49AA-BA71-3C58E239228C}" type="datetimeFigureOut">
               <a:rPr lang="fr-FR" smtClean="0"/>
-              <a:t>30/12/2023</a:t>
+              <a:t>31/12/2023</a:t>
             </a:fld>
             <a:endParaRPr lang="fr-FR"/>
           </a:p>
@@ -4722,6 +4723,215 @@
 </file>
 
 <file path=ppt/slides/slide17.xml><?xml version="1.0" encoding="utf-8"?>
+<p:sld xmlns:a="http://schemas.openxmlformats.org/drawingml/2006/main" xmlns:r="http://schemas.openxmlformats.org/officeDocument/2006/relationships" xmlns:p="http://schemas.openxmlformats.org/presentationml/2006/main">
+  <p:cSld>
+    <p:spTree>
+      <p:nvGrpSpPr>
+        <p:cNvPr id="1" name=""/>
+        <p:cNvGrpSpPr/>
+        <p:nvPr/>
+      </p:nvGrpSpPr>
+      <p:grpSpPr>
+        <a:xfrm>
+          <a:off x="0" y="0"/>
+          <a:ext cx="0" cy="0"/>
+          <a:chOff x="0" y="0"/>
+          <a:chExt cx="0" cy="0"/>
+        </a:xfrm>
+      </p:grpSpPr>
+      <p:pic>
+        <p:nvPicPr>
+          <p:cNvPr id="7" name="Image 6">
+            <a:extLst>
+              <a:ext uri="{FF2B5EF4-FFF2-40B4-BE49-F238E27FC236}">
+                <a16:creationId xmlns:a16="http://schemas.microsoft.com/office/drawing/2014/main" id="{1382CEAF-191E-595E-2877-CA8814C8023C}"/>
+              </a:ext>
+            </a:extLst>
+          </p:cNvPr>
+          <p:cNvPicPr>
+            <a:picLocks noChangeAspect="1"/>
+          </p:cNvPicPr>
+          <p:nvPr/>
+        </p:nvPicPr>
+        <p:blipFill>
+          <a:blip r:embed="rId2">
+            <a:extLst>
+              <a:ext uri="{28A0092B-C50C-407E-A947-70E740481C1C}">
+                <a14:useLocalDpi xmlns:a14="http://schemas.microsoft.com/office/drawing/2010/main" val="0"/>
+              </a:ext>
+            </a:extLst>
+          </a:blip>
+          <a:stretch>
+            <a:fillRect/>
+          </a:stretch>
+        </p:blipFill>
+        <p:spPr>
+          <a:xfrm>
+            <a:off x="0" y="0"/>
+            <a:ext cx="12192000" cy="6858000"/>
+          </a:xfrm>
+          <a:prstGeom prst="rect">
+            <a:avLst/>
+          </a:prstGeom>
+        </p:spPr>
+      </p:pic>
+      <p:pic>
+        <p:nvPicPr>
+          <p:cNvPr id="11" name="Image 10">
+            <a:extLst>
+              <a:ext uri="{FF2B5EF4-FFF2-40B4-BE49-F238E27FC236}">
+                <a16:creationId xmlns:a16="http://schemas.microsoft.com/office/drawing/2014/main" id="{774F93EE-B94E-3077-EE42-2F85802EA6CA}"/>
+              </a:ext>
+            </a:extLst>
+          </p:cNvPr>
+          <p:cNvPicPr>
+            <a:picLocks noChangeAspect="1"/>
+          </p:cNvPicPr>
+          <p:nvPr/>
+        </p:nvPicPr>
+        <p:blipFill>
+          <a:blip r:embed="rId3">
+            <a:extLst>
+              <a:ext uri="{28A0092B-C50C-407E-A947-70E740481C1C}">
+                <a14:useLocalDpi xmlns:a14="http://schemas.microsoft.com/office/drawing/2010/main" val="0"/>
+              </a:ext>
+            </a:extLst>
+          </a:blip>
+          <a:stretch>
+            <a:fillRect/>
+          </a:stretch>
+        </p:blipFill>
+        <p:spPr>
+          <a:xfrm>
+            <a:off x="1762050" y="2466975"/>
+            <a:ext cx="2162249" cy="541882"/>
+          </a:xfrm>
+          <a:prstGeom prst="rect">
+            <a:avLst/>
+          </a:prstGeom>
+        </p:spPr>
+      </p:pic>
+      <p:sp>
+        <p:nvSpPr>
+          <p:cNvPr id="2" name="ZoneTexte 1">
+            <a:extLst>
+              <a:ext uri="{FF2B5EF4-FFF2-40B4-BE49-F238E27FC236}">
+                <a16:creationId xmlns:a16="http://schemas.microsoft.com/office/drawing/2014/main" id="{BAE331CB-E5B7-A38C-5FB6-6BA22242F7EE}"/>
+              </a:ext>
+            </a:extLst>
+          </p:cNvPr>
+          <p:cNvSpPr txBox="1"/>
+          <p:nvPr/>
+        </p:nvSpPr>
+        <p:spPr>
+          <a:xfrm>
+            <a:off x="4133810" y="2414750"/>
+            <a:ext cx="7848679" cy="646331"/>
+          </a:xfrm>
+          <a:prstGeom prst="rect">
+            <a:avLst/>
+          </a:prstGeom>
+          <a:solidFill>
+            <a:schemeClr val="bg1"/>
+          </a:solidFill>
+        </p:spPr>
+        <p:txBody>
+          <a:bodyPr wrap="square" rtlCol="0">
+            <a:spAutoFit/>
+          </a:bodyPr>
+          <a:lstStyle/>
+          <a:p>
+            <a:r>
+              <a:rPr lang="fr-FR" sz="2000" b="1" dirty="0">
+                <a:solidFill>
+                  <a:srgbClr val="4581BE"/>
+                </a:solidFill>
+                <a:effectLst>
+                  <a:outerShdw blurRad="38100" dist="38100" dir="2700000" algn="tl">
+                    <a:srgbClr val="000000">
+                      <a:alpha val="43137"/>
+                    </a:srgbClr>
+                  </a:outerShdw>
+                </a:effectLst>
+                <a:latin typeface="Dosis SemiBold" pitchFamily="2" charset="0"/>
+              </a:rPr>
+              <a:t>Link to the </a:t>
+            </a:r>
+            <a:r>
+              <a:rPr lang="fr-FR" sz="2000" b="1" dirty="0" err="1">
+                <a:solidFill>
+                  <a:srgbClr val="4581BE"/>
+                </a:solidFill>
+                <a:effectLst>
+                  <a:outerShdw blurRad="38100" dist="38100" dir="2700000" algn="tl">
+                    <a:srgbClr val="000000">
+                      <a:alpha val="43137"/>
+                    </a:srgbClr>
+                  </a:outerShdw>
+                </a:effectLst>
+                <a:latin typeface="Dosis SemiBold" pitchFamily="2" charset="0"/>
+              </a:rPr>
+              <a:t>demo</a:t>
+            </a:r>
+            <a:r>
+              <a:rPr lang="fr-FR" sz="2000" b="1" dirty="0">
+                <a:solidFill>
+                  <a:srgbClr val="4581BE"/>
+                </a:solidFill>
+                <a:effectLst>
+                  <a:outerShdw blurRad="38100" dist="38100" dir="2700000" algn="tl">
+                    <a:srgbClr val="000000">
+                      <a:alpha val="43137"/>
+                    </a:srgbClr>
+                  </a:outerShdw>
+                </a:effectLst>
+                <a:latin typeface="Dosis SemiBold" pitchFamily="2" charset="0"/>
+              </a:rPr>
+              <a:t> :  </a:t>
+            </a:r>
+            <a:r>
+              <a:rPr lang="fr-FR" sz="1600" dirty="0">
+                <a:effectLst>
+                  <a:outerShdw blurRad="38100" dist="38100" dir="2700000" algn="tl">
+                    <a:srgbClr val="000000">
+                      <a:alpha val="43137"/>
+                    </a:srgbClr>
+                  </a:outerShdw>
+                </a:effectLst>
+                <a:latin typeface="Dosis SemiBold" pitchFamily="2" charset="0"/>
+              </a:rPr>
+              <a:t>https://drive.google.com/file/d/1HIzZs_BwoedIA3vnrFW4T42JQuy3WI0m/view?usp=sharing  </a:t>
+            </a:r>
+            <a:endParaRPr lang="fr-FR" sz="2400" dirty="0">
+              <a:effectLst>
+                <a:outerShdw blurRad="38100" dist="38100" dir="2700000" algn="tl">
+                  <a:srgbClr val="000000">
+                    <a:alpha val="43137"/>
+                  </a:srgbClr>
+                </a:outerShdw>
+              </a:effectLst>
+              <a:latin typeface="Dosis SemiBold" pitchFamily="2" charset="0"/>
+            </a:endParaRPr>
+          </a:p>
+        </p:txBody>
+      </p:sp>
+    </p:spTree>
+    <p:extLst>
+      <p:ext uri="{BB962C8B-B14F-4D97-AF65-F5344CB8AC3E}">
+        <p14:creationId xmlns:p14="http://schemas.microsoft.com/office/powerpoint/2010/main" val="844516777"/>
+      </p:ext>
+    </p:extLst>
+  </p:cSld>
+  <p:clrMapOvr>
+    <a:masterClrMapping/>
+  </p:clrMapOvr>
+  <p:transition spd="slow">
+    <p:push dir="u"/>
+  </p:transition>
+</p:sld>
+</file>
+
+<file path=ppt/slides/slide18.xml><?xml version="1.0" encoding="utf-8"?>
 <p:sld xmlns:a="http://schemas.openxmlformats.org/drawingml/2006/main" xmlns:r="http://schemas.openxmlformats.org/officeDocument/2006/relationships" xmlns:p="http://schemas.openxmlformats.org/presentationml/2006/main">
   <p:cSld>
     <p:spTree>
